--- a/17.The Brayton Cycle.pptx
+++ b/17.The Brayton Cycle.pptx
@@ -22939,19 +22939,7 @@
               <a:rPr lang="en-US" dirty="0">
                 <a:hlinkClick r:id="rId4"/>
               </a:rPr>
-              <a:t>Example 1</a:t>
-            </a:r>
-            <a:r>
-              <a:rPr lang="en-US" sz="3200" b="1" i="0" u="none" strike="noStrike" cap="none" dirty="0">
-                <a:solidFill>
-                  <a:srgbClr val="FF0000"/>
-                </a:solidFill>
-                <a:latin typeface="Arial"/>
-                <a:ea typeface="Arial"/>
-                <a:cs typeface="Arial"/>
-                <a:sym typeface="Arial"/>
-              </a:rPr>
-              <a:t> </a:t>
+              <a:t>Solution</a:t>
             </a:r>
             <a:endParaRPr sz="3200" b="1" i="0" u="none" strike="noStrike" cap="none" dirty="0">
               <a:solidFill>
@@ -23250,19 +23238,7 @@
               <a:rPr lang="en-US" dirty="0">
                 <a:hlinkClick r:id="rId3"/>
               </a:rPr>
-              <a:t>Example 2</a:t>
-            </a:r>
-            <a:r>
-              <a:rPr lang="en-US" sz="3200" b="1" i="0" u="none" strike="noStrike" cap="none" dirty="0">
-                <a:solidFill>
-                  <a:srgbClr val="FF0000"/>
-                </a:solidFill>
-                <a:latin typeface="Arial"/>
-                <a:ea typeface="Arial"/>
-                <a:cs typeface="Arial"/>
-                <a:sym typeface="Arial"/>
-              </a:rPr>
-              <a:t> </a:t>
+              <a:t>Solution</a:t>
             </a:r>
             <a:endParaRPr sz="3200" b="1" i="0" u="none" strike="noStrike" cap="none" dirty="0">
               <a:solidFill>
